--- a/presentation/第二回資料/AIスピーカー開発_2.pptx
+++ b/presentation/第二回資料/AIスピーカー開発_2.pptx
@@ -223,7 +223,7 @@
           <a:p>
             <a:fld id="{D3FBB20C-20C4-49AD-85A3-C66C862503B5}" type="datetimeFigureOut">
               <a:rPr kumimoji="1" lang="ja-JP" altLang="en-US" smtClean="0"/>
-              <a:t>2021/12/8</a:t>
+              <a:t>2021/12/29</a:t>
             </a:fld>
             <a:endParaRPr kumimoji="1" lang="ja-JP" altLang="en-US"/>
           </a:p>
@@ -4444,7 +4444,7 @@
           <a:p>
             <a:fld id="{C63D219B-6862-4E6A-9F9E-C4C4759712F9}" type="datetimeFigureOut">
               <a:rPr kumimoji="1" lang="ja-JP" altLang="en-US" smtClean="0"/>
-              <a:t>2021/12/8</a:t>
+              <a:t>2021/12/29</a:t>
             </a:fld>
             <a:endParaRPr kumimoji="1" lang="ja-JP" altLang="en-US"/>
           </a:p>
@@ -4674,7 +4674,7 @@
           <a:p>
             <a:fld id="{C63D219B-6862-4E6A-9F9E-C4C4759712F9}" type="datetimeFigureOut">
               <a:rPr kumimoji="1" lang="ja-JP" altLang="en-US" smtClean="0"/>
-              <a:t>2021/12/8</a:t>
+              <a:t>2021/12/29</a:t>
             </a:fld>
             <a:endParaRPr kumimoji="1" lang="ja-JP" altLang="en-US"/>
           </a:p>
@@ -4914,7 +4914,7 @@
           <a:p>
             <a:fld id="{C63D219B-6862-4E6A-9F9E-C4C4759712F9}" type="datetimeFigureOut">
               <a:rPr kumimoji="1" lang="ja-JP" altLang="en-US" smtClean="0"/>
-              <a:t>2021/12/8</a:t>
+              <a:t>2021/12/29</a:t>
             </a:fld>
             <a:endParaRPr kumimoji="1" lang="ja-JP" altLang="en-US"/>
           </a:p>
@@ -5144,7 +5144,7 @@
           <a:p>
             <a:fld id="{C63D219B-6862-4E6A-9F9E-C4C4759712F9}" type="datetimeFigureOut">
               <a:rPr kumimoji="1" lang="ja-JP" altLang="en-US" smtClean="0"/>
-              <a:t>2021/12/8</a:t>
+              <a:t>2021/12/29</a:t>
             </a:fld>
             <a:endParaRPr kumimoji="1" lang="ja-JP" altLang="en-US"/>
           </a:p>
@@ -5419,7 +5419,7 @@
           <a:p>
             <a:fld id="{C63D219B-6862-4E6A-9F9E-C4C4759712F9}" type="datetimeFigureOut">
               <a:rPr kumimoji="1" lang="ja-JP" altLang="en-US" smtClean="0"/>
-              <a:t>2021/12/8</a:t>
+              <a:t>2021/12/29</a:t>
             </a:fld>
             <a:endParaRPr kumimoji="1" lang="ja-JP" altLang="en-US"/>
           </a:p>
@@ -5748,7 +5748,7 @@
           <a:p>
             <a:fld id="{C63D219B-6862-4E6A-9F9E-C4C4759712F9}" type="datetimeFigureOut">
               <a:rPr kumimoji="1" lang="ja-JP" altLang="en-US" smtClean="0"/>
-              <a:t>2021/12/8</a:t>
+              <a:t>2021/12/29</a:t>
             </a:fld>
             <a:endParaRPr kumimoji="1" lang="ja-JP" altLang="en-US"/>
           </a:p>
@@ -6224,7 +6224,7 @@
           <a:p>
             <a:fld id="{C63D219B-6862-4E6A-9F9E-C4C4759712F9}" type="datetimeFigureOut">
               <a:rPr kumimoji="1" lang="ja-JP" altLang="en-US" smtClean="0"/>
-              <a:t>2021/12/8</a:t>
+              <a:t>2021/12/29</a:t>
             </a:fld>
             <a:endParaRPr kumimoji="1" lang="ja-JP" altLang="en-US"/>
           </a:p>
@@ -6365,7 +6365,7 @@
           <a:p>
             <a:fld id="{C63D219B-6862-4E6A-9F9E-C4C4759712F9}" type="datetimeFigureOut">
               <a:rPr kumimoji="1" lang="ja-JP" altLang="en-US" smtClean="0"/>
-              <a:t>2021/12/8</a:t>
+              <a:t>2021/12/29</a:t>
             </a:fld>
             <a:endParaRPr kumimoji="1" lang="ja-JP" altLang="en-US"/>
           </a:p>
@@ -6478,7 +6478,7 @@
           <a:p>
             <a:fld id="{C63D219B-6862-4E6A-9F9E-C4C4759712F9}" type="datetimeFigureOut">
               <a:rPr kumimoji="1" lang="ja-JP" altLang="en-US" smtClean="0"/>
-              <a:t>2021/12/8</a:t>
+              <a:t>2021/12/29</a:t>
             </a:fld>
             <a:endParaRPr kumimoji="1" lang="ja-JP" altLang="en-US"/>
           </a:p>
@@ -6821,7 +6821,7 @@
           <a:p>
             <a:fld id="{C63D219B-6862-4E6A-9F9E-C4C4759712F9}" type="datetimeFigureOut">
               <a:rPr kumimoji="1" lang="ja-JP" altLang="en-US" smtClean="0"/>
-              <a:t>2021/12/8</a:t>
+              <a:t>2021/12/29</a:t>
             </a:fld>
             <a:endParaRPr kumimoji="1" lang="ja-JP" altLang="en-US"/>
           </a:p>
@@ -7109,7 +7109,7 @@
           <a:p>
             <a:fld id="{C63D219B-6862-4E6A-9F9E-C4C4759712F9}" type="datetimeFigureOut">
               <a:rPr kumimoji="1" lang="ja-JP" altLang="en-US" smtClean="0"/>
-              <a:t>2021/12/8</a:t>
+              <a:t>2021/12/29</a:t>
             </a:fld>
             <a:endParaRPr kumimoji="1" lang="ja-JP" altLang="en-US"/>
           </a:p>
@@ -7406,7 +7406,7 @@
           <a:p>
             <a:fld id="{C63D219B-6862-4E6A-9F9E-C4C4759712F9}" type="datetimeFigureOut">
               <a:rPr kumimoji="1" lang="ja-JP" altLang="en-US" smtClean="0"/>
-              <a:t>2021/12/8</a:t>
+              <a:t>2021/12/29</a:t>
             </a:fld>
             <a:endParaRPr kumimoji="1" lang="ja-JP" altLang="en-US"/>
           </a:p>
@@ -26601,7 +26601,47 @@
       </a:bgFillStyleLst>
     </a:fmtScheme>
   </a:themeElements>
-  <a:objectDefaults/>
+  <a:objectDefaults>
+    <a:txDef>
+      <a:spPr>
+        <a:noFill/>
+        <a:effectLst>
+          <a:outerShdw blurRad="50800" dist="38100" dir="2700000" algn="tl" rotWithShape="0">
+            <a:prstClr val="black">
+              <a:alpha val="40000"/>
+            </a:prstClr>
+          </a:outerShdw>
+        </a:effectLst>
+      </a:spPr>
+      <a:bodyPr wrap="square" rtlCol="0">
+        <a:spAutoFit/>
+        <a:scene3d>
+          <a:camera prst="orthographicFront"/>
+          <a:lightRig rig="harsh" dir="t"/>
+        </a:scene3d>
+        <a:sp3d extrusionH="57150" prstMaterial="matte">
+          <a:bevelT w="63500" h="12700" prst="angle"/>
+          <a:contourClr>
+            <a:schemeClr val="bg1">
+              <a:lumMod val="65000"/>
+            </a:schemeClr>
+          </a:contourClr>
+        </a:sp3d>
+      </a:bodyPr>
+      <a:lstStyle>
+        <a:defPPr algn="l">
+          <a:defRPr kumimoji="1" sz="11500" b="1" dirty="0">
+            <a:ln/>
+            <a:solidFill>
+              <a:schemeClr val="accent6">
+                <a:lumMod val="75000"/>
+              </a:schemeClr>
+            </a:solidFill>
+          </a:defRPr>
+        </a:defPPr>
+      </a:lstStyle>
+    </a:txDef>
+  </a:objectDefaults>
   <a:extraClrSchemeLst/>
   <a:extLst>
     <a:ext uri="{05A4C25C-085E-4340-85A3-A5531E510DB2}">
